--- a/Lecture- Slides/Lecture04.pptx
+++ b/Lecture- Slides/Lecture04.pptx
@@ -120,6 +120,452 @@
 </p:presentation>
 </file>
 
+<file path=ppt/ink/ink1.xml><?xml version="1.0" encoding="utf-8"?>
+<inkml:ink xmlns:inkml="http://www.w3.org/2003/InkML">
+  <inkml:definitions>
+    <inkml:context xml:id="ctx0">
+      <inkml:inkSource xml:id="inkSrc0">
+        <inkml:traceFormat>
+          <inkml:channel name="X" type="integer" max="1920" units="cm"/>
+          <inkml:channel name="Y" type="integer" max="1080" units="cm"/>
+          <inkml:channel name="T" type="integer" max="2.14748E9" units="dev"/>
+        </inkml:traceFormat>
+        <inkml:channelProperties>
+          <inkml:channelProperty channel="X" name="resolution" value="55.81395" units="1/cm"/>
+          <inkml:channelProperty channel="Y" name="resolution" value="55.95855" units="1/cm"/>
+          <inkml:channelProperty channel="T" name="resolution" value="1" units="1/dev"/>
+        </inkml:channelProperties>
+      </inkml:inkSource>
+      <inkml:timestamp xml:id="ts0" timeString="2023-04-05T04:22:05.006"/>
+    </inkml:context>
+    <inkml:brush xml:id="br0">
+      <inkml:brushProperty name="width" value="0.08333" units="cm"/>
+      <inkml:brushProperty name="height" value="0.08333" units="cm"/>
+      <inkml:brushProperty name="fitToCurve" value="1"/>
+    </inkml:brush>
+  </inkml:definitions>
+  <inkml:traceGroup>
+    <inkml:annotationXML>
+      <emma:emma xmlns:emma="http://www.w3.org/2003/04/emma" version="1.0">
+        <emma:interpretation id="{A1496050-911D-4C63-9B9D-7F75ADD8DD96}" emma:medium="tactile" emma:mode="ink">
+          <msink:context xmlns:msink="http://schemas.microsoft.com/ink/2010/main" type="inkDrawing" rotatedBoundingBox="7425,11309 9385,11812 9249,12343 7289,11840" semanticType="callout" shapeName="Other">
+            <msink:sourceLink direction="with" ref="{5AB4F2D1-2D51-4654-8C7A-92EC4240D018}"/>
+          </msink:context>
+        </emma:interpretation>
+      </emma:emma>
+    </inkml:annotationXML>
+    <inkml:trace contextRef="#ctx0" brushRef="#br0">1996 811 0,'-104'-26'219,"-51"-26"-219,51 52 16,52-52-16,-26 0 15,27 52-15,25 0 16,0 0-16,0-26 15,0 26-15,0-26 16,0 26-16,0 0 16,-26-25-16,-25-1 15,-1 0-15,52 0 0,-52 0 16,26 0 0,26 0-16,1 26 15,-27 0-15,0-26 16,26 26-16,0 0 15,0 0-15,-26-26 16,26 26 0,0 0-16,1-26 15,-1 26-15,-26 0 16,26 0 0,0 0-16,0-26 15,0 26 1,0 0-16,0 0 15,0 0 1,-26 0 15,27 0-31,-1 0 32,0 0-17,0 0 1,0 0 15,0 0-31,26-26 125,0 1-125,0-1 16,0 0-1,26 26-15,-26-26 16,0 0 15,26 0-15,0 0 15,-26 0-15,26 26-16,-26-26 15,0 0 1,0 52 93,-26 26-93,26-26 0,-26 0-16,26 26 15,-26-26-15,0 0 16,0 25-16,26-25 15,0 0-15,0 0 16,-26 0 0,26 0-16,-26 0 15,26 0 17,0 0-17,0 0 32,26-52 62,-26 0-109,26 26 16,0 0 0,0-26-1,0 26 1,-26-26 0,26 26-1,0 0 48</inkml:trace>
+  </inkml:traceGroup>
+</inkml:ink>
+</file>
+
+<file path=ppt/ink/ink2.xml><?xml version="1.0" encoding="utf-8"?>
+<inkml:ink xmlns:inkml="http://www.w3.org/2003/InkML">
+  <inkml:definitions>
+    <inkml:context xml:id="ctx0">
+      <inkml:inkSource xml:id="inkSrc0">
+        <inkml:traceFormat>
+          <inkml:channel name="X" type="integer" max="1920" units="cm"/>
+          <inkml:channel name="Y" type="integer" max="1080" units="cm"/>
+          <inkml:channel name="T" type="integer" max="2.14748E9" units="dev"/>
+        </inkml:traceFormat>
+        <inkml:channelProperties>
+          <inkml:channelProperty channel="X" name="resolution" value="55.81395" units="1/cm"/>
+          <inkml:channelProperty channel="Y" name="resolution" value="55.95855" units="1/cm"/>
+          <inkml:channelProperty channel="T" name="resolution" value="1" units="1/dev"/>
+        </inkml:channelProperties>
+      </inkml:inkSource>
+      <inkml:timestamp xml:id="ts0" timeString="2023-04-05T04:22:00.767"/>
+    </inkml:context>
+    <inkml:brush xml:id="br0">
+      <inkml:brushProperty name="width" value="0.08333" units="cm"/>
+      <inkml:brushProperty name="height" value="0.08333" units="cm"/>
+      <inkml:brushProperty name="fitToCurve" value="1"/>
+    </inkml:brush>
+  </inkml:definitions>
+  <inkml:traceGroup>
+    <inkml:annotationXML>
+      <emma:emma xmlns:emma="http://www.w3.org/2003/04/emma" version="1.0">
+        <emma:interpretation id="{B5809DF2-7C6D-4F22-A46E-DBFB31D34F91}" emma:medium="tactile" emma:mode="ink">
+          <msink:context xmlns:msink="http://schemas.microsoft.com/ink/2010/main" type="inkDrawing" rotatedBoundingBox="6219,12990 8060,12959 8060,13004 6220,13035" shapeName="Other">
+            <msink:destinationLink direction="with" ref="{34EF1921-A52D-4BC8-B3B2-2E63C9F31659}"/>
+          </msink:context>
+        </emma:interpretation>
+      </emma:emma>
+    </inkml:annotationXML>
+    <inkml:trace contextRef="#ctx0" brushRef="#br0">285 907 0,'51'0'250,"27"0"-250,-26 0 0,0 0 16,-26 0-16,0 0 15,52 0-15,-53 0 16,1 0 0,0 0-16,0 0 31,0 0 0,0 0-15,0 0-1,26 0 1,-26 0-16,26 0 16,-27 0-16,53 0 15,-52 0-15,0 0 16,26 0-16,0 0 16,-26 0-1,0 0 1,-1 0-1,1 0-15,0 0 47,0 0-47,26 0 32,-26 0-32,26 0 31,-26 0-31,0 0 15,0 0 1,25 0 0,-25 0-16,0 0 15,26 0 1,-26-26 0,0 26-16,26 0 15,0 0 1,-26 0-1,-1 0-15,1 0 16,0 0 0,0 0 15,0 0-15,0 0 30,0 0-30,0 0 78,-26-26-63</inkml:trace>
+  </inkml:traceGroup>
+</inkml:ink>
+</file>
+
+<file path=ppt/ink/ink3.xml><?xml version="1.0" encoding="utf-8"?>
+<inkml:ink xmlns:inkml="http://www.w3.org/2003/InkML">
+  <inkml:definitions>
+    <inkml:context xml:id="ctx0">
+      <inkml:inkSource xml:id="inkSrc0">
+        <inkml:traceFormat>
+          <inkml:channel name="X" type="integer" max="1920" units="cm"/>
+          <inkml:channel name="Y" type="integer" max="1080" units="cm"/>
+          <inkml:channel name="T" type="integer" max="2.14748E9" units="dev"/>
+        </inkml:traceFormat>
+        <inkml:channelProperties>
+          <inkml:channelProperty channel="X" name="resolution" value="55.81395" units="1/cm"/>
+          <inkml:channelProperty channel="Y" name="resolution" value="55.95855" units="1/cm"/>
+          <inkml:channelProperty channel="T" name="resolution" value="1" units="1/dev"/>
+        </inkml:channelProperties>
+      </inkml:inkSource>
+      <inkml:timestamp xml:id="ts0" timeString="2023-04-05T04:22:12.266"/>
+    </inkml:context>
+    <inkml:brush xml:id="br0">
+      <inkml:brushProperty name="width" value="0.08333" units="cm"/>
+      <inkml:brushProperty name="height" value="0.08333" units="cm"/>
+      <inkml:brushProperty name="fitToCurve" value="1"/>
+    </inkml:brush>
+  </inkml:definitions>
+  <inkml:traceGroup>
+    <inkml:annotationXML>
+      <emma:emma xmlns:emma="http://www.w3.org/2003/04/emma" version="1.0">
+        <emma:interpretation id="{C9616E89-4849-48D8-9509-85691CFE3AAC}" emma:medium="tactile" emma:mode="ink">
+          <msink:context xmlns:msink="http://schemas.microsoft.com/ink/2010/main" type="writingRegion" rotatedBoundingBox="6735,14330 10914,14640 10848,15529 6669,15219"/>
+        </emma:interpretation>
+      </emma:emma>
+    </inkml:annotationXML>
+    <inkml:traceGroup>
+      <inkml:annotationXML>
+        <emma:emma xmlns:emma="http://www.w3.org/2003/04/emma" version="1.0">
+          <emma:interpretation id="{3A57E01F-B645-4ED9-B85B-14369BEE1EF0}" emma:medium="tactile" emma:mode="ink">
+            <msink:context xmlns:msink="http://schemas.microsoft.com/ink/2010/main" type="paragraph" rotatedBoundingBox="6735,14330 10914,14640 10848,15529 6669,15219" alignmentLevel="1"/>
+          </emma:interpretation>
+        </emma:emma>
+      </inkml:annotationXML>
+      <inkml:traceGroup>
+        <inkml:annotationXML>
+          <emma:emma xmlns:emma="http://www.w3.org/2003/04/emma" version="1.0">
+            <emma:interpretation id="{DF2149D0-BE98-4D2C-8AF2-592F89228FCC}" emma:medium="tactile" emma:mode="ink">
+              <msink:context xmlns:msink="http://schemas.microsoft.com/ink/2010/main" type="line" rotatedBoundingBox="6735,14330 10914,14640 10848,15529 6669,15219"/>
+            </emma:interpretation>
+          </emma:emma>
+        </inkml:annotationXML>
+        <inkml:traceGroup>
+          <inkml:annotationXML>
+            <emma:emma xmlns:emma="http://www.w3.org/2003/04/emma" version="1.0">
+              <emma:interpretation id="{AE8D88FD-A4CD-4EF7-8654-B62FEDB751AA}" emma:medium="tactile" emma:mode="ink">
+                <msink:context xmlns:msink="http://schemas.microsoft.com/ink/2010/main" type="inkWord" rotatedBoundingBox="6735,14330 8254,14443 8188,15332 6669,15219">
+                  <msink:destinationLink direction="with" ref="{34EF1921-A52D-4BC8-B3B2-2E63C9F31659}"/>
+                </msink:context>
+              </emma:interpretation>
+              <emma:one-of disjunction-type="recognition" id="oneOf0">
+                <emma:interpretation id="interp0" emma:lang="" emma:confidence="1">
+                  <emma:literal/>
+                </emma:interpretation>
+              </emma:one-of>
+            </emma:emma>
+          </inkml:annotationXML>
+          <inkml:trace contextRef="#ctx0" brushRef="#br0">65 0 0,'0'26'312,"0"0"-296,0 0 0,0-1 15,0 27-16,-26-26 1,26 0 0,0 0-16,0 26 15,-26-26 1,26 0 0,0 0-1,0 0 1,0-1-1,0 1 1,0 0 0,0 0-1,0 0 1,0 0 0,0 0-16,0 0 31,0 0-31,0 0 15,0 0 110,26-26-109,-26-26 47,26 26-48,0-26 1,0 0-1,-26 0 17,26 0-17,0 26 1,-26-26-16,26 0 47,-1 0-32,1 0 17,-26 0-32,26 26 15,-26-25 32,0 50 109,0 1-156,0 0 16,0 0 0,0 26-1,0-26-15,0 0 16,0 26-16,0-26 16,0 26-16,0-1 0,-26 1 15,26-26 1,0 0 15,0 0 78</inkml:trace>
+          <inkml:trace contextRef="#ctx0" brushRef="#br0" timeOffset="2255.2495">635 648 0,'0'-52'218,"0"26"-218,-26-52 16,26 26-16,0 26 16,0-25-16,0 25 15,0 0 1,0 0-1,0 0 1,0 0 15,26 0-15,-26 0 15,26 26-31,0 0 16,0 0-1,0 0 1,0 0-16,0 0 31,0 0 16,-26 26-16,0 26-31,0-26 16,0 26-16,-26 0 16,0-1-16,0 1 0,26-26 15,0 0-15,-26-26 16,0 52-16,0-52 16,26 26-1,0 26 16,26-52 79,26 0-95,-26 0 1,0 0 0,0 0-16,-1 0 15,1 0 1,0 0 0,-26-26-1,26 26 1,0 0-1,-26-26 1,0-26 125,-26 52-126,0 0 32,0 0-47,0-26 16,1 26 15,-1 0-15,0-26 46,0 26-15,0-26-31</inkml:trace>
+          <inkml:trace contextRef="#ctx0" brushRef="#br0" timeOffset="4432.8656">1179 363 0,'52'0'203,"0"0"-203,0 0 16,-26 0 0,0 0-16,-26 51 15,26-51 1,0 0 15,-26 26 0,26-26-15,-1 26 0,-25 0-1,26-26 1,-26 26-1,0 0 1,0 0-16,0 0 31,0 0-31,0 0 16,-26-26-16,1 26 0,25 0 16,-26-26-1,0 26-15,0-1 0,0 1 16,0-26-1,-26 0 1,26 26-16,0-26 16,0 0 15,0 0 0,1 0 0,-1 0-15,26-26 62,0 0-62,0 1-1,0-1 17,0 0-17,0 0 48,0 0-48,0 0 1,26 26 15,-26-26-15,25 26-16,-25-26 16,0 0-1,0 0 1,26 0-1,-26 0 1,26 26 15</inkml:trace>
+        </inkml:traceGroup>
+        <inkml:traceGroup>
+          <inkml:annotationXML>
+            <emma:emma xmlns:emma="http://www.w3.org/2003/04/emma" version="1.0">
+              <emma:interpretation id="{EAB33FA2-5426-4A7C-8C46-52775A73996B}" emma:medium="tactile" emma:mode="ink">
+                <msink:context xmlns:msink="http://schemas.microsoft.com/ink/2010/main" type="inkWord" rotatedBoundingBox="10571,14628 10913,14653 10863,15317 10521,15292"/>
+              </emma:interpretation>
+              <emma:one-of disjunction-type="recognition" id="oneOf1">
+                <emma:interpretation id="interp1" emma:lang="" emma:confidence="0">
+                  <emma:literal>6</emma:literal>
+                </emma:interpretation>
+                <emma:interpretation id="interp2" emma:lang="" emma:confidence="0">
+                  <emma:literal>0</emma:literal>
+                </emma:interpretation>
+                <emma:interpretation id="interp3" emma:lang="" emma:confidence="0">
+                  <emma:literal>b</emma:literal>
+                </emma:interpretation>
+                <emma:interpretation id="interp4" emma:lang="" emma:confidence="0">
+                  <emma:literal>7</emma:literal>
+                </emma:interpretation>
+                <emma:interpretation id="interp5" emma:lang="" emma:confidence="0">
+                  <emma:literal>O</emma:literal>
+                </emma:interpretation>
+              </emma:one-of>
+            </emma:emma>
+          </inkml:annotationXML>
+          <inkml:trace contextRef="#ctx0" brushRef="#br0" timeOffset="14059.6934">4082 311 0,'-26'26'203,"0"77"-188,1-51-15,-27 26 16,52-52-16,-26 26 16,0 0-16,26-26 15,0-1-15,-26 1 16,0 0-16,26 26 15,0-26-15,0 26 16,-26-26 0,52-26 124,0 0-124,0 0-16,0 0 16,0 0-16,0 0 15,0 0 1,-1-26-16,-25 0 31,26 26-31,-26-26 16,26 0-1,0 0 17,-26 0-32,26 26 15,-26-26 1,26 0-16,-26 1 15,0-1 1,26 26 0,-26-26-1,0 0 110,-26 26-78,0 0-47,0 0 16,0 0-1,0 0 1,0 0 15,1 0-15,-1 0 0,0 0 30,0 0 33,52 26-17</inkml:trace>
+        </inkml:traceGroup>
+      </inkml:traceGroup>
+    </inkml:traceGroup>
+  </inkml:traceGroup>
+</inkml:ink>
+</file>
+
+<file path=ppt/ink/ink4.xml><?xml version="1.0" encoding="utf-8"?>
+<inkml:ink xmlns:inkml="http://www.w3.org/2003/InkML">
+  <inkml:definitions>
+    <inkml:context xml:id="ctx0">
+      <inkml:inkSource xml:id="inkSrc0">
+        <inkml:traceFormat>
+          <inkml:channel name="X" type="integer" max="1920" units="cm"/>
+          <inkml:channel name="Y" type="integer" max="1080" units="cm"/>
+          <inkml:channel name="T" type="integer" max="2.14748E9" units="dev"/>
+        </inkml:traceFormat>
+        <inkml:channelProperties>
+          <inkml:channelProperty channel="X" name="resolution" value="55.81395" units="1/cm"/>
+          <inkml:channelProperty channel="Y" name="resolution" value="55.95855" units="1/cm"/>
+          <inkml:channelProperty channel="T" name="resolution" value="1" units="1/dev"/>
+        </inkml:channelProperties>
+      </inkml:inkSource>
+      <inkml:timestamp xml:id="ts0" timeString="2023-04-05T04:21:53.169"/>
+    </inkml:context>
+    <inkml:brush xml:id="br0">
+      <inkml:brushProperty name="width" value="0.08333" units="cm"/>
+      <inkml:brushProperty name="height" value="0.08333" units="cm"/>
+      <inkml:brushProperty name="fitToCurve" value="1"/>
+    </inkml:brush>
+  </inkml:definitions>
+  <inkml:traceGroup>
+    <inkml:annotationXML>
+      <emma:emma xmlns:emma="http://www.w3.org/2003/04/emma" version="1.0">
+        <emma:interpretation id="{E2C2FA08-A728-455D-89C0-5FB6F49D3096}" emma:medium="tactile" emma:mode="ink">
+          <msink:context xmlns:msink="http://schemas.microsoft.com/ink/2010/main" type="writingRegion" rotatedBoundingBox="5935,12104 7127,12104 7127,12130 5935,12130"/>
+        </emma:interpretation>
+      </emma:emma>
+    </inkml:annotationXML>
+    <inkml:traceGroup>
+      <inkml:annotationXML>
+        <emma:emma xmlns:emma="http://www.w3.org/2003/04/emma" version="1.0">
+          <emma:interpretation id="{02E5A9B2-A79F-438A-A3CF-E7AE239B770F}" emma:medium="tactile" emma:mode="ink">
+            <msink:context xmlns:msink="http://schemas.microsoft.com/ink/2010/main" type="paragraph" rotatedBoundingBox="5935,12104 7127,12104 7127,12130 5935,12130" alignmentLevel="1"/>
+          </emma:interpretation>
+        </emma:emma>
+      </inkml:annotationXML>
+      <inkml:traceGroup>
+        <inkml:annotationXML>
+          <emma:emma xmlns:emma="http://www.w3.org/2003/04/emma" version="1.0">
+            <emma:interpretation id="{03E2BDD7-7EE0-4B79-B9DB-A4B185A6113C}" emma:medium="tactile" emma:mode="ink">
+              <msink:context xmlns:msink="http://schemas.microsoft.com/ink/2010/main" type="line" rotatedBoundingBox="5935,12104 7127,12104 7127,12130 5935,12130"/>
+            </emma:interpretation>
+          </emma:emma>
+        </inkml:annotationXML>
+        <inkml:traceGroup>
+          <inkml:annotationXML>
+            <emma:emma xmlns:emma="http://www.w3.org/2003/04/emma" version="1.0">
+              <emma:interpretation id="{5AB4F2D1-2D51-4654-8C7A-92EC4240D018}" emma:medium="tactile" emma:mode="ink">
+                <msink:context xmlns:msink="http://schemas.microsoft.com/ink/2010/main" type="inkWord" rotatedBoundingBox="5935,12104 7127,12104 7127,12130 5935,12130">
+                  <msink:destinationLink direction="with" ref="{A1496050-911D-4C63-9B9D-7F75ADD8DD96}"/>
+                </msink:context>
+              </emma:interpretation>
+            </emma:emma>
+          </inkml:annotationXML>
+          <inkml:trace contextRef="#ctx0" brushRef="#br0">1192 0 0,'-26'0'250,"0"0"-235,0 0-15,0 0 16,0 0-16,-26 0 16,26 0 15,1 0-16,-1 0-15,0 0 16,-26 0-16,26 0 16,0 0-16,-26 0 15,26 0 1,0 0-16,0 0 16,1 0-16,-27 0 15,0 0 1,0 0-1,26 0-15,26 26 16,-26-26-16,0 0 16,0 0-16,0 0 47,0 0-16,1 0 47,-1 0-62,0 0 62,0 0-63,0 0-15,-26 0 16,26 0-16,0 0 16,0 0-1,0 0 1,0 0 78,1 0-16</inkml:trace>
+        </inkml:traceGroup>
+      </inkml:traceGroup>
+    </inkml:traceGroup>
+  </inkml:traceGroup>
+</inkml:ink>
+</file>
+
+<file path=ppt/ink/ink5.xml><?xml version="1.0" encoding="utf-8"?>
+<inkml:ink xmlns:inkml="http://www.w3.org/2003/InkML">
+  <inkml:definitions>
+    <inkml:context xml:id="ctx0">
+      <inkml:inkSource xml:id="inkSrc0">
+        <inkml:traceFormat>
+          <inkml:channel name="X" type="integer" max="1920" units="cm"/>
+          <inkml:channel name="Y" type="integer" max="1080" units="cm"/>
+          <inkml:channel name="T" type="integer" max="2.14748E9" units="dev"/>
+        </inkml:traceFormat>
+        <inkml:channelProperties>
+          <inkml:channelProperty channel="X" name="resolution" value="55.81395" units="1/cm"/>
+          <inkml:channelProperty channel="Y" name="resolution" value="55.95855" units="1/cm"/>
+          <inkml:channelProperty channel="T" name="resolution" value="1" units="1/dev"/>
+        </inkml:channelProperties>
+      </inkml:inkSource>
+      <inkml:timestamp xml:id="ts0" timeString="2023-04-05T04:22:22.735"/>
+    </inkml:context>
+    <inkml:brush xml:id="br0">
+      <inkml:brushProperty name="width" value="0.08333" units="cm"/>
+      <inkml:brushProperty name="height" value="0.08333" units="cm"/>
+      <inkml:brushProperty name="fitToCurve" value="1"/>
+    </inkml:brush>
+  </inkml:definitions>
+  <inkml:traceGroup>
+    <inkml:annotationXML>
+      <emma:emma xmlns:emma="http://www.w3.org/2003/04/emma" version="1.0">
+        <emma:interpretation id="{34EF1921-A52D-4BC8-B3B2-2E63C9F31659}" emma:medium="tactile" emma:mode="ink">
+          <msink:context xmlns:msink="http://schemas.microsoft.com/ink/2010/main" type="inkDrawing" rotatedBoundingBox="8526,12881 9215,14259 8614,14560 7924,13182" semanticType="callout" shapeName="Other">
+            <msink:sourceLink direction="with" ref="{AE8D88FD-A4CD-4EF7-8654-B62FEDB751AA}"/>
+            <msink:sourceLink direction="with" ref="{B5809DF2-7C6D-4F22-A46E-DBFB31D34F91}"/>
+          </msink:context>
+        </emma:interpretation>
+      </emma:emma>
+    </inkml:annotationXML>
+    <inkml:trace contextRef="#ctx0" brushRef="#br0">450 1537 0,'52'0'219,"0"-52"-203,-26 52-16,26-52 15,-1 1-15,-25-1 16,0 52-1,-26-26-15,26 26 16,-26-26 0,0 0-16,0 0 47,0 0-32,0 0-15,0 0 16,0 0-16,0 1 15,0-1 1,0 0-16,0 0 16,0 0-16,-26 0 15,0 0-15,26 0 16,0 0-16,-52 0 16,52-26-16,-51 1 15,25 51-15,26-52 16,-26 26-16,0 0 15,26-26-15,-52 26 16,52 0-16,0 0 16,-26-26-16,26 27 15,-26-1-15,0 0 16,0 26 0,26-26-1,0 0 1,-26 0-16,1 26 15,25-26-15,0 0 16,-26 26-16,-26-52 16,52 26-16,-26 0 15,0 1-15,0-1 16,26 0 0,-26 26-16,26-26 15,-26 26 1,26-26 15,-26 26 94,26 26-109,-26 0-1,26 0 17,-26 0-17,26-1 1,0 1-1,0 0-15,0 0 47,0 0-31,0 0 31,-25-26-16,25 26-15,0-52 46,0 0-31,25 0-15,1 0 0,-26 0-1,0 0-15,26 1 32,-26-1-32,0 0 46,0 0-14,26 0-32,-26 0 47,26 26-16,0 0 234,0 0-249,-26 26 0,26-26-1,0 26 1,26-26-16,-1 0 16,-25 26-1,0-26 1,0 0-16,0 0 31,0 0-15</inkml:trace>
+  </inkml:traceGroup>
+</inkml:ink>
+</file>
+
+<file path=ppt/ink/ink6.xml><?xml version="1.0" encoding="utf-8"?>
+<inkml:ink xmlns:inkml="http://www.w3.org/2003/InkML">
+  <inkml:definitions>
+    <inkml:context xml:id="ctx0">
+      <inkml:inkSource xml:id="inkSrc0">
+        <inkml:traceFormat>
+          <inkml:channel name="X" type="integer" max="1920" units="cm"/>
+          <inkml:channel name="Y" type="integer" max="1080" units="cm"/>
+          <inkml:channel name="T" type="integer" max="2.14748E9" units="dev"/>
+        </inkml:traceFormat>
+        <inkml:channelProperties>
+          <inkml:channelProperty channel="X" name="resolution" value="55.81395" units="1/cm"/>
+          <inkml:channelProperty channel="Y" name="resolution" value="55.95855" units="1/cm"/>
+          <inkml:channelProperty channel="T" name="resolution" value="1" units="1/dev"/>
+        </inkml:channelProperties>
+      </inkml:inkSource>
+      <inkml:timestamp xml:id="ts0" timeString="2023-04-05T04:45:04.145"/>
+    </inkml:context>
+    <inkml:brush xml:id="br0">
+      <inkml:brushProperty name="width" value="0.05833" units="cm"/>
+      <inkml:brushProperty name="height" value="0.05833" units="cm"/>
+      <inkml:brushProperty name="color" value="#177D36"/>
+      <inkml:brushProperty name="fitToCurve" value="1"/>
+    </inkml:brush>
+  </inkml:definitions>
+  <inkml:traceGroup>
+    <inkml:annotationXML>
+      <emma:emma xmlns:emma="http://www.w3.org/2003/04/emma" version="1.0">
+        <emma:interpretation id="{1E14D0F8-75A0-43EE-A978-3748B3695F83}" emma:medium="tactile" emma:mode="ink">
+          <msink:context xmlns:msink="http://schemas.microsoft.com/ink/2010/main" type="inkDrawing" rotatedBoundingBox="28359,2693 28466,7230 28376,7232 28270,2695" semanticType="callout" shapeName="Other">
+            <msink:sourceLink direction="with" ref="{A12A374E-42FE-4CA9-9983-E0CBBE8E0FE6}"/>
+            <msink:sourceLink direction="with" ref="{DC6B420A-64EC-4998-9EA8-1BF33B1CEF28}"/>
+          </msink:context>
+        </emma:interpretation>
+      </emma:emma>
+    </inkml:annotationXML>
+    <inkml:trace contextRef="#ctx0" brushRef="#br0">0 0 0,'0'78'219,"0"-26"-219,0 52 15,26-27-15,-26 27 16,0-26-16,26 0 16,-26-1-16,26-25 15,-26 26-15,26 0 16,-26-52-16,0 51 16,0 1-16,0-52 15,0 52-15,0 0 16,0-52-16,0 51 15,0 1-15,0-26 0,0 26 16,0 25-16,0-51 16,0 52-16,0-26 15,0 25-15,0-51 16,0 52-16,0-1 16,0 1-16,0-52 15,0 52-15,0-27 16,0-25-16,0 26 15,0 0-15,0-26 16,0 25-16,0 1 16,0-26-16,0 26 15,0-1-15,0-51 16,0 52-16,0-26 16,0 0-16,0 0 15,0 25-15,0-25 16,0 26-16,0 0 15,0-52-15,0 25 16,0 27-16,0-26 16,26 26-16,-26 0 15,26-53-15,-26 53 16,0 0-16,0-26 16,0 0-16,26-1 15,-26-25-15,0 0 0,0 0 16,0 0 15</inkml:trace>
+  </inkml:traceGroup>
+</inkml:ink>
+</file>
+
+<file path=ppt/ink/ink7.xml><?xml version="1.0" encoding="utf-8"?>
+<inkml:ink xmlns:inkml="http://www.w3.org/2003/InkML">
+  <inkml:definitions>
+    <inkml:context xml:id="ctx0">
+      <inkml:inkSource xml:id="inkSrc0">
+        <inkml:traceFormat>
+          <inkml:channel name="X" type="integer" max="1920" units="cm"/>
+          <inkml:channel name="Y" type="integer" max="1080" units="cm"/>
+          <inkml:channel name="T" type="integer" max="2.14748E9" units="dev"/>
+        </inkml:traceFormat>
+        <inkml:channelProperties>
+          <inkml:channelProperty channel="X" name="resolution" value="55.81395" units="1/cm"/>
+          <inkml:channelProperty channel="Y" name="resolution" value="55.95855" units="1/cm"/>
+          <inkml:channelProperty channel="T" name="resolution" value="1" units="1/dev"/>
+        </inkml:channelProperties>
+      </inkml:inkSource>
+      <inkml:timestamp xml:id="ts0" timeString="2023-04-05T04:45:07.531"/>
+    </inkml:context>
+    <inkml:brush xml:id="br0">
+      <inkml:brushProperty name="width" value="0.05833" units="cm"/>
+      <inkml:brushProperty name="height" value="0.05833" units="cm"/>
+      <inkml:brushProperty name="color" value="#177D36"/>
+      <inkml:brushProperty name="fitToCurve" value="1"/>
+    </inkml:brush>
+  </inkml:definitions>
+  <inkml:traceGroup>
+    <inkml:annotationXML>
+      <emma:emma xmlns:emma="http://www.w3.org/2003/04/emma" version="1.0">
+        <emma:interpretation id="{A12A374E-42FE-4CA9-9983-E0CBBE8E0FE6}" emma:medium="tactile" emma:mode="ink">
+          <msink:context xmlns:msink="http://schemas.microsoft.com/ink/2010/main" type="inkDrawing" rotatedBoundingBox="25516,4924 32215,4377 32229,4539 25529,5086" shapeName="Other">
+            <msink:destinationLink direction="with" ref="{1E14D0F8-75A0-43EE-A978-3748B3695F83}"/>
+            <msink:destinationLink direction="with" ref="{8C02EE6E-B458-4027-8DB2-17D0D234B9FF}"/>
+          </msink:context>
+        </emma:interpretation>
+      </emma:emma>
+    </inkml:annotationXML>
+    <inkml:trace contextRef="#ctx0" brushRef="#br0">0 700 0,'78'0'219,"51"-26"-204,-25 26-15,0-26 16,25 0-16,-25 0 15,51 0-15,-25 26 16,-1-26-16,27 1 0,-78-1 16,77 26-16,-25-26 15,-1 26-15,27-26 16,-26 0-16,-27 26 16,27 0-16,-1 0 15,-25-26-15,26 26 16,-53 0-16,53-26 15,-78 26-15,52 0 16,-1-26-16,-51 26 16,0-26-16,26 26 15,25-26-15,1 26 16,-52 0-16,51 0 16,-25-26-16,0 26 15,26 0-15,-1 0 16,1 0-16,-52 0 15,52 0-15,-27 0 16,-25 0-16,26 0 16,0 0-16,-27 0 15,1 0-15,26 0 16,-26 0-16,0-26 16,25 26-16,-25 0 15,0 0-15,0 0 16,0 0-16,0 0 15,0 0-15,-27 0 16,27 0-16,0 0 16,-26 0-16,0 0 15,0 0 1,0 0 0,0 0-1,0 0 1,0 0 62,-1 0-78,1 0 16,0 0-1,0 0-15,0 0 16,26 0-1,0 0 1,0-26-16,-1 26 16,-25-25-1,0 25-15,52-26 16,-52 26-16,0 0 16,26-26-16,0 26 15,-1 0-15,-25 0 16,0-26-16,0 26 15,0 0-15,26 0 16,-26 0 0,0 0-16,0 0 31,0 0-31,0 0 16,-1-26 15,1 26 31,0 0 16,-26-26 282,26 26-360,0 0 15,0 0 1,0 0 0,-26-26-16,26 26 47,-26-26-32,26 26 1</inkml:trace>
+  </inkml:traceGroup>
+</inkml:ink>
+</file>
+
+<file path=ppt/ink/ink8.xml><?xml version="1.0" encoding="utf-8"?>
+<inkml:ink xmlns:inkml="http://www.w3.org/2003/InkML">
+  <inkml:definitions>
+    <inkml:context xml:id="ctx0">
+      <inkml:inkSource xml:id="inkSrc0">
+        <inkml:traceFormat>
+          <inkml:channel name="X" type="integer" max="1920" units="cm"/>
+          <inkml:channel name="Y" type="integer" max="1080" units="cm"/>
+          <inkml:channel name="T" type="integer" max="2.14748E9" units="dev"/>
+        </inkml:traceFormat>
+        <inkml:channelProperties>
+          <inkml:channelProperty channel="X" name="resolution" value="55.81395" units="1/cm"/>
+          <inkml:channelProperty channel="Y" name="resolution" value="55.95855" units="1/cm"/>
+          <inkml:channelProperty channel="T" name="resolution" value="1" units="1/dev"/>
+        </inkml:channelProperties>
+      </inkml:inkSource>
+      <inkml:timestamp xml:id="ts0" timeString="2023-04-05T04:45:13.443"/>
+    </inkml:context>
+    <inkml:brush xml:id="br0">
+      <inkml:brushProperty name="width" value="0.05833" units="cm"/>
+      <inkml:brushProperty name="height" value="0.05833" units="cm"/>
+      <inkml:brushProperty name="color" value="#177D36"/>
+      <inkml:brushProperty name="fitToCurve" value="1"/>
+    </inkml:brush>
+  </inkml:definitions>
+  <inkml:traceGroup>
+    <inkml:annotationXML>
+      <emma:emma xmlns:emma="http://www.w3.org/2003/04/emma" version="1.0">
+        <emma:interpretation id="{8C02EE6E-B458-4027-8DB2-17D0D234B9FF}" emma:medium="tactile" emma:mode="ink">
+          <msink:context xmlns:msink="http://schemas.microsoft.com/ink/2010/main" type="inkDrawing" rotatedBoundingBox="28260,4647 28827,4865 28781,4985 28214,4767" semanticType="callout" shapeName="Other">
+            <msink:sourceLink direction="with" ref="{A12A374E-42FE-4CA9-9983-E0CBBE8E0FE6}"/>
+          </msink:context>
+        </emma:interpretation>
+      </emma:emma>
+    </inkml:annotationXML>
+    <inkml:trace contextRef="#ctx0" brushRef="#br0">285 0 0,'-51'0'328,"-27"0"-328,26 0 16,26 0-16,0 0 15,0 0 1,0 0 62,78 26 281,-26-26-359,26 52 16,0-52-16,-26 0 16,51 26-16,1 0 15,-52 0-15,0-26 16,26 25-16,-26-25 16,0 0-16,0 0 15,0 0-15,-26 26 47</inkml:trace>
+  </inkml:traceGroup>
+</inkml:ink>
+</file>
+
+<file path=ppt/ink/ink9.xml><?xml version="1.0" encoding="utf-8"?>
+<inkml:ink xmlns:inkml="http://www.w3.org/2003/InkML">
+  <inkml:definitions>
+    <inkml:context xml:id="ctx0">
+      <inkml:inkSource xml:id="inkSrc0">
+        <inkml:traceFormat>
+          <inkml:channel name="X" type="integer" max="1920" units="cm"/>
+          <inkml:channel name="Y" type="integer" max="1080" units="cm"/>
+          <inkml:channel name="T" type="integer" max="2.14748E9" units="dev"/>
+        </inkml:traceFormat>
+        <inkml:channelProperties>
+          <inkml:channelProperty channel="X" name="resolution" value="55.81395" units="1/cm"/>
+          <inkml:channelProperty channel="Y" name="resolution" value="55.95855" units="1/cm"/>
+          <inkml:channelProperty channel="T" name="resolution" value="1" units="1/dev"/>
+        </inkml:channelProperties>
+      </inkml:inkSource>
+      <inkml:timestamp xml:id="ts0" timeString="2023-04-05T04:45:21.377"/>
+    </inkml:context>
+    <inkml:brush xml:id="br0">
+      <inkml:brushProperty name="width" value="0.05833" units="cm"/>
+      <inkml:brushProperty name="height" value="0.05833" units="cm"/>
+      <inkml:brushProperty name="color" value="#177D36"/>
+      <inkml:brushProperty name="fitToCurve" value="1"/>
+    </inkml:brush>
+  </inkml:definitions>
+  <inkml:traceGroup>
+    <inkml:annotationXML>
+      <emma:emma xmlns:emma="http://www.w3.org/2003/04/emma" version="1.0">
+        <emma:interpretation id="{DC6B420A-64EC-4998-9EA8-1BF33B1CEF28}" emma:medium="tactile" emma:mode="ink">
+          <msink:context xmlns:msink="http://schemas.microsoft.com/ink/2010/main" type="inkDrawing" rotatedBoundingBox="27516,3300 29310,3130 29338,3435 27544,3605" shapeName="Other">
+            <msink:destinationLink direction="with" ref="{1E14D0F8-75A0-43EE-A978-3748B3695F83}"/>
+          </msink:context>
+        </emma:interpretation>
+      </emma:emma>
+    </inkml:annotationXML>
+    <inkml:trace contextRef="#ctx0" brushRef="#br0">197 262 0,'26'0'328,"26"0"-312,-1 0-16,-51-26 15,26 26-15,0 0 16,0 0-16,26 0 16,-26 0-16,0 0 15,0 0-15,0-26 16,0 26-16,0 0 15,0 0-15,-1 0 16,27 0 0,0 0-1,-26-52-15,0 52 16,0 0-16,26 0 16,0 0-1,-27 0-15,-25-25 16,52 25-16,0 0 15,-26-26-15,0 26 32,26 0-32,-26-26 15,0 26 1,0 0-16,25-26 16,-25 26-1,0 0-15,0-26 16,0 26-16,0 0 15,0 0 1,26 0 0,0 0-1,-27 0 1,1 0 0,-26-26-1,26 26 1,0 0-1,0 0 1,0 0 0,0 0-1,0 0 32,-52 0 188,-26 0-220,26 0 1,0 0-1,0 0 1,0 0-16,1 0 16,-1 0-16,0 0 15,0 0-15,-26 0 16,0 26-16,26-26 16,-26 26-16,26-26 15,1 0-15,-27 26 16,0-26-1,26 0-15,0 0 16,-26 0 0,0 0-1,26 0 1,1 0-16,-1 0 16,26 26-16,-26-26 15,0 0-15,0 0 16,0 0-1,0 0 1,0 0 0,0 0-16,0 0 15,-26 0 1,27 0-16,-1 0 16,0 0-1,0 0 1,0 0-16,0 51 15,0-51 1,0 0-16,0 0 31,0 0-31,0 0 16,0 0 0,0 0-1,26 26-15,-25-26 16,-1 0-16,0 0 15,0 0 1,0 0 0,0 0-1,0 0 1,0 0 0,0 0-1,0 0 1,0 52 15,0-52-31,1 0 31,50 0 63,1 0-78,26 0-1,-26 0 1,0 0 0,0 0-1,0 0 1,0 0-1,0 0 1,0 0-16,0 26 16,-1-26-16,53 26 15,-52-26-15,26 26 16,0-26-16,-26 0 16,52 0-16,-27 0 15,1 0 1,0 26-16,0-26 31,-26 0-15,0 0-1,0 0 1,0 0 0,-1 0-1,1 0 1,26 0-1,-26 0 1,0 0 0,0 0-1,-26-26 1,26 26 0,0 0-16,0 0 15,0-26 1,0 26-16,-1 0 31,1 0-15,0 0-1,0 0-15,0 0 16,-26-52-16,26 52 16,0 0-1,0 0-15,0 0 47,0-26-31,0 26 15,0 0-15,-1 0-1,1 0 32,0 0-31,-26-52-1,26 52 1,-26-25 46,-26 25-15,0 0-47,-25 0 16,25 0 0,0 0-16,0 0 15,0 0-15,0 0 16,0 0-16,0 0 15,0 0 1,0 0-16,0 0 16,0 0-16,1 0 15,-1 51-15,-26-51 16,0 0-16,26 0 16,-26 0-16,0 0 15,26 0 1,1 0-16,-1 0 15,0 0-15,0 0 0,-26 0 16,26 0 0,-26 0-16,26 0 15,0 0 1,0 0 0,1 0-1,-1 0-15,0 0 16,0 0-1,0 0 1,0 0 0,0 0-1,26 26 1,-26-26-16,0 0 16,-26 0-1,26 0 1,-25 0-1,25 0 1,0 52 0,0-52-1,26 26 32,26-26 344</inkml:trace>
+  </inkml:traceGroup>
+</inkml:ink>
+</file>
+
 <file path=ppt/slideLayouts/slideLayout1.xml><?xml version="1.0" encoding="utf-8"?>
 <p:sldLayout xmlns:a="http://schemas.openxmlformats.org/drawingml/2006/main" xmlns:r="http://schemas.openxmlformats.org/officeDocument/2006/relationships" xmlns:p="http://schemas.openxmlformats.org/presentationml/2006/main" type="title" preserve="1">
   <p:cSld name="Title Slide">
@@ -251,7 +697,7 @@
           <a:p>
             <a:fld id="{BEAF3131-2AB6-4B60-9FCF-7135CEFCF1B1}" type="datetimeFigureOut">
               <a:rPr lang="en-US" smtClean="0"/>
-              <a:t>3/17/2022</a:t>
+              <a:t>4/17/2023</a:t>
             </a:fld>
             <a:endParaRPr lang="en-US"/>
           </a:p>
@@ -421,7 +867,7 @@
           <a:p>
             <a:fld id="{BEAF3131-2AB6-4B60-9FCF-7135CEFCF1B1}" type="datetimeFigureOut">
               <a:rPr lang="en-US" smtClean="0"/>
-              <a:t>3/17/2022</a:t>
+              <a:t>4/17/2023</a:t>
             </a:fld>
             <a:endParaRPr lang="en-US"/>
           </a:p>
@@ -601,7 +1047,7 @@
           <a:p>
             <a:fld id="{BEAF3131-2AB6-4B60-9FCF-7135CEFCF1B1}" type="datetimeFigureOut">
               <a:rPr lang="en-US" smtClean="0"/>
-              <a:t>3/17/2022</a:t>
+              <a:t>4/17/2023</a:t>
             </a:fld>
             <a:endParaRPr lang="en-US"/>
           </a:p>
@@ -771,7 +1217,7 @@
           <a:p>
             <a:fld id="{BEAF3131-2AB6-4B60-9FCF-7135CEFCF1B1}" type="datetimeFigureOut">
               <a:rPr lang="en-US" smtClean="0"/>
-              <a:t>3/17/2022</a:t>
+              <a:t>4/17/2023</a:t>
             </a:fld>
             <a:endParaRPr lang="en-US"/>
           </a:p>
@@ -1017,7 +1463,7 @@
           <a:p>
             <a:fld id="{BEAF3131-2AB6-4B60-9FCF-7135CEFCF1B1}" type="datetimeFigureOut">
               <a:rPr lang="en-US" smtClean="0"/>
-              <a:t>3/17/2022</a:t>
+              <a:t>4/17/2023</a:t>
             </a:fld>
             <a:endParaRPr lang="en-US"/>
           </a:p>
@@ -1249,7 +1695,7 @@
           <a:p>
             <a:fld id="{BEAF3131-2AB6-4B60-9FCF-7135CEFCF1B1}" type="datetimeFigureOut">
               <a:rPr lang="en-US" smtClean="0"/>
-              <a:t>3/17/2022</a:t>
+              <a:t>4/17/2023</a:t>
             </a:fld>
             <a:endParaRPr lang="en-US"/>
           </a:p>
@@ -1616,7 +2062,7 @@
           <a:p>
             <a:fld id="{BEAF3131-2AB6-4B60-9FCF-7135CEFCF1B1}" type="datetimeFigureOut">
               <a:rPr lang="en-US" smtClean="0"/>
-              <a:t>3/17/2022</a:t>
+              <a:t>4/17/2023</a:t>
             </a:fld>
             <a:endParaRPr lang="en-US"/>
           </a:p>
@@ -1734,7 +2180,7 @@
           <a:p>
             <a:fld id="{BEAF3131-2AB6-4B60-9FCF-7135CEFCF1B1}" type="datetimeFigureOut">
               <a:rPr lang="en-US" smtClean="0"/>
-              <a:t>3/17/2022</a:t>
+              <a:t>4/17/2023</a:t>
             </a:fld>
             <a:endParaRPr lang="en-US"/>
           </a:p>
@@ -1829,7 +2275,7 @@
           <a:p>
             <a:fld id="{BEAF3131-2AB6-4B60-9FCF-7135CEFCF1B1}" type="datetimeFigureOut">
               <a:rPr lang="en-US" smtClean="0"/>
-              <a:t>3/17/2022</a:t>
+              <a:t>4/17/2023</a:t>
             </a:fld>
             <a:endParaRPr lang="en-US"/>
           </a:p>
@@ -2106,7 +2552,7 @@
           <a:p>
             <a:fld id="{BEAF3131-2AB6-4B60-9FCF-7135CEFCF1B1}" type="datetimeFigureOut">
               <a:rPr lang="en-US" smtClean="0"/>
-              <a:t>3/17/2022</a:t>
+              <a:t>4/17/2023</a:t>
             </a:fld>
             <a:endParaRPr lang="en-US"/>
           </a:p>
@@ -2359,7 +2805,7 @@
           <a:p>
             <a:fld id="{BEAF3131-2AB6-4B60-9FCF-7135CEFCF1B1}" type="datetimeFigureOut">
               <a:rPr lang="en-US" smtClean="0"/>
-              <a:t>3/17/2022</a:t>
+              <a:t>4/17/2023</a:t>
             </a:fld>
             <a:endParaRPr lang="en-US"/>
           </a:p>
@@ -2572,7 +3018,7 @@
           <a:p>
             <a:fld id="{BEAF3131-2AB6-4B60-9FCF-7135CEFCF1B1}" type="datetimeFigureOut">
               <a:rPr lang="en-US" smtClean="0"/>
-              <a:t>3/17/2022</a:t>
+              <a:t>4/17/2023</a:t>
             </a:fld>
             <a:endParaRPr lang="en-US"/>
           </a:p>
@@ -3233,6 +3679,201 @@
           </a:p>
         </p:txBody>
       </p:sp>
+      <mc:AlternateContent xmlns:mc="http://schemas.openxmlformats.org/markup-compatibility/2006" xmlns:p14="http://schemas.microsoft.com/office/powerpoint/2010/main">
+        <mc:Choice Requires="p14">
+          <p:contentPart p14:bwMode="auto" r:id="rId2">
+            <p14:nvContentPartPr>
+              <p14:cNvPr id="9" name="Ink 8"/>
+              <p14:cNvContentPartPr/>
+              <p14:nvPr/>
+            </p14:nvContentPartPr>
+            <p14:xfrm>
+              <a:off x="2631152" y="4074862"/>
+              <a:ext cx="718920" cy="292320"/>
+            </p14:xfrm>
+          </p:contentPart>
+        </mc:Choice>
+        <mc:Fallback xmlns="">
+          <p:pic>
+            <p:nvPicPr>
+              <p:cNvPr id="9" name="Ink 8"/>
+              <p:cNvPicPr/>
+              <p:nvPr/>
+            </p:nvPicPr>
+            <p:blipFill>
+              <a:blip r:embed="rId3"/>
+              <a:stretch>
+                <a:fillRect/>
+              </a:stretch>
+            </p:blipFill>
+            <p:spPr>
+              <a:xfrm>
+                <a:off x="2616032" y="4059742"/>
+                <a:ext cx="749160" cy="322560"/>
+              </a:xfrm>
+              <a:prstGeom prst="rect">
+                <a:avLst/>
+              </a:prstGeom>
+            </p:spPr>
+          </p:pic>
+        </mc:Fallback>
+      </mc:AlternateContent>
+      <mc:AlternateContent xmlns:mc="http://schemas.openxmlformats.org/markup-compatibility/2006" xmlns:p14="http://schemas.microsoft.com/office/powerpoint/2010/main">
+        <mc:Choice Requires="p14">
+          <p:contentPart p14:bwMode="auto" r:id="rId4">
+            <p14:nvContentPartPr>
+              <p14:cNvPr id="11" name="Ink 10"/>
+              <p14:cNvContentPartPr/>
+              <p14:nvPr/>
+            </p14:nvContentPartPr>
+            <p14:xfrm>
+              <a:off x="2239472" y="4665262"/>
+              <a:ext cx="662760" cy="23760"/>
+            </p14:xfrm>
+          </p:contentPart>
+        </mc:Choice>
+        <mc:Fallback xmlns="">
+          <p:pic>
+            <p:nvPicPr>
+              <p:cNvPr id="11" name="Ink 10"/>
+              <p:cNvPicPr/>
+              <p:nvPr/>
+            </p:nvPicPr>
+            <p:blipFill>
+              <a:blip r:embed="rId5"/>
+              <a:stretch>
+                <a:fillRect/>
+              </a:stretch>
+            </p:blipFill>
+            <p:spPr>
+              <a:xfrm>
+                <a:off x="2224352" y="4650142"/>
+                <a:ext cx="693000" cy="54000"/>
+              </a:xfrm>
+              <a:prstGeom prst="rect">
+                <a:avLst/>
+              </a:prstGeom>
+            </p:spPr>
+          </p:pic>
+        </mc:Fallback>
+      </mc:AlternateContent>
+      <mc:AlternateContent xmlns:mc="http://schemas.openxmlformats.org/markup-compatibility/2006" xmlns:p14="http://schemas.microsoft.com/office/powerpoint/2010/main">
+        <mc:Choice Requires="p14">
+          <p:contentPart p14:bwMode="auto" r:id="rId6">
+            <p14:nvContentPartPr>
+              <p14:cNvPr id="13" name="Ink 12"/>
+              <p14:cNvContentPartPr/>
+              <p14:nvPr/>
+            </p14:nvContentPartPr>
+            <p14:xfrm>
+              <a:off x="2411912" y="5159902"/>
+              <a:ext cx="1507320" cy="347760"/>
+            </p14:xfrm>
+          </p:contentPart>
+        </mc:Choice>
+        <mc:Fallback xmlns="">
+          <p:pic>
+            <p:nvPicPr>
+              <p:cNvPr id="13" name="Ink 12"/>
+              <p:cNvPicPr/>
+              <p:nvPr/>
+            </p:nvPicPr>
+            <p:blipFill>
+              <a:blip r:embed="rId7"/>
+              <a:stretch>
+                <a:fillRect/>
+              </a:stretch>
+            </p:blipFill>
+            <p:spPr>
+              <a:xfrm>
+                <a:off x="2396792" y="5144782"/>
+                <a:ext cx="1537560" cy="378000"/>
+              </a:xfrm>
+              <a:prstGeom prst="rect">
+                <a:avLst/>
+              </a:prstGeom>
+            </p:spPr>
+          </p:pic>
+        </mc:Fallback>
+      </mc:AlternateContent>
+      <mc:AlternateContent xmlns:mc="http://schemas.openxmlformats.org/markup-compatibility/2006" xmlns:p14="http://schemas.microsoft.com/office/powerpoint/2010/main">
+        <mc:Choice Requires="p14">
+          <p:contentPart p14:bwMode="auto" r:id="rId8">
+            <p14:nvContentPartPr>
+              <p14:cNvPr id="17" name="Ink 16"/>
+              <p14:cNvContentPartPr/>
+              <p14:nvPr/>
+            </p14:nvContentPartPr>
+            <p14:xfrm>
+              <a:off x="2136872" y="4357462"/>
+              <a:ext cx="429480" cy="10440"/>
+            </p14:xfrm>
+          </p:contentPart>
+        </mc:Choice>
+        <mc:Fallback xmlns="">
+          <p:pic>
+            <p:nvPicPr>
+              <p:cNvPr id="17" name="Ink 16"/>
+              <p:cNvPicPr/>
+              <p:nvPr/>
+            </p:nvPicPr>
+            <p:blipFill>
+              <a:blip r:embed="rId9"/>
+              <a:stretch>
+                <a:fillRect/>
+              </a:stretch>
+            </p:blipFill>
+            <p:spPr>
+              <a:xfrm>
+                <a:off x="2121752" y="4342342"/>
+                <a:ext cx="459720" cy="40680"/>
+              </a:xfrm>
+              <a:prstGeom prst="rect">
+                <a:avLst/>
+              </a:prstGeom>
+            </p:spPr>
+          </p:pic>
+        </mc:Fallback>
+      </mc:AlternateContent>
+      <mc:AlternateContent xmlns:mc="http://schemas.openxmlformats.org/markup-compatibility/2006" xmlns:p14="http://schemas.microsoft.com/office/powerpoint/2010/main">
+        <mc:Choice Requires="p14">
+          <p:contentPart p14:bwMode="auto" r:id="rId10">
+            <p14:nvContentPartPr>
+              <p14:cNvPr id="19" name="Ink 18"/>
+              <p14:cNvContentPartPr/>
+              <p14:nvPr/>
+            </p14:nvContentPartPr>
+            <p14:xfrm>
+              <a:off x="2935712" y="4681102"/>
+              <a:ext cx="276480" cy="553680"/>
+            </p14:xfrm>
+          </p:contentPart>
+        </mc:Choice>
+        <mc:Fallback xmlns="">
+          <p:pic>
+            <p:nvPicPr>
+              <p:cNvPr id="19" name="Ink 18"/>
+              <p:cNvPicPr/>
+              <p:nvPr/>
+            </p:nvPicPr>
+            <p:blipFill>
+              <a:blip r:embed="rId11"/>
+              <a:stretch>
+                <a:fillRect/>
+              </a:stretch>
+            </p:blipFill>
+            <p:spPr>
+              <a:xfrm>
+                <a:off x="2920592" y="4665982"/>
+                <a:ext cx="306720" cy="583920"/>
+              </a:xfrm>
+              <a:prstGeom prst="rect">
+                <a:avLst/>
+              </a:prstGeom>
+            </p:spPr>
+          </p:pic>
+        </mc:Fallback>
+      </mc:AlternateContent>
     </p:spTree>
     <p:extLst>
       <p:ext uri="{BB962C8B-B14F-4D97-AF65-F5344CB8AC3E}">
@@ -3710,6 +4351,162 @@
           </a:p>
         </p:txBody>
       </p:sp>
+      <mc:AlternateContent xmlns:mc="http://schemas.openxmlformats.org/markup-compatibility/2006" xmlns:p14="http://schemas.microsoft.com/office/powerpoint/2010/main">
+        <mc:Choice Requires="p14">
+          <p:contentPart p14:bwMode="auto" r:id="rId2">
+            <p14:nvContentPartPr>
+              <p14:cNvPr id="5" name="Ink 4"/>
+              <p14:cNvContentPartPr/>
+              <p14:nvPr/>
+            </p14:nvContentPartPr>
+            <p14:xfrm>
+              <a:off x="10179632" y="970222"/>
+              <a:ext cx="66240" cy="1633320"/>
+            </p14:xfrm>
+          </p:contentPart>
+        </mc:Choice>
+        <mc:Fallback xmlns="">
+          <p:pic>
+            <p:nvPicPr>
+              <p:cNvPr id="5" name="Ink 4"/>
+              <p:cNvPicPr/>
+              <p:nvPr/>
+            </p:nvPicPr>
+            <p:blipFill>
+              <a:blip r:embed="rId3"/>
+              <a:stretch>
+                <a:fillRect/>
+              </a:stretch>
+            </p:blipFill>
+            <p:spPr>
+              <a:xfrm>
+                <a:off x="10169192" y="959782"/>
+                <a:ext cx="87120" cy="1654200"/>
+              </a:xfrm>
+              <a:prstGeom prst="rect">
+                <a:avLst/>
+              </a:prstGeom>
+            </p:spPr>
+          </p:pic>
+        </mc:Fallback>
+      </mc:AlternateContent>
+      <mc:AlternateContent xmlns:mc="http://schemas.openxmlformats.org/markup-compatibility/2006" xmlns:p14="http://schemas.microsoft.com/office/powerpoint/2010/main">
+        <mc:Choice Requires="p14">
+          <p:contentPart p14:bwMode="auto" r:id="rId4">
+            <p14:nvContentPartPr>
+              <p14:cNvPr id="7" name="Ink 6"/>
+              <p14:cNvContentPartPr/>
+              <p14:nvPr/>
+            </p14:nvContentPartPr>
+            <p14:xfrm>
+              <a:off x="9190712" y="1576822"/>
+              <a:ext cx="2407680" cy="252360"/>
+            </p14:xfrm>
+          </p:contentPart>
+        </mc:Choice>
+        <mc:Fallback xmlns="">
+          <p:pic>
+            <p:nvPicPr>
+              <p:cNvPr id="7" name="Ink 6"/>
+              <p:cNvPicPr/>
+              <p:nvPr/>
+            </p:nvPicPr>
+            <p:blipFill>
+              <a:blip r:embed="rId5"/>
+              <a:stretch>
+                <a:fillRect/>
+              </a:stretch>
+            </p:blipFill>
+            <p:spPr>
+              <a:xfrm>
+                <a:off x="9180272" y="1566382"/>
+                <a:ext cx="2428560" cy="273240"/>
+              </a:xfrm>
+              <a:prstGeom prst="rect">
+                <a:avLst/>
+              </a:prstGeom>
+            </p:spPr>
+          </p:pic>
+        </mc:Fallback>
+      </mc:AlternateContent>
+      <mc:AlternateContent xmlns:mc="http://schemas.openxmlformats.org/markup-compatibility/2006" xmlns:p14="http://schemas.microsoft.com/office/powerpoint/2010/main">
+        <mc:Choice Requires="p14">
+          <p:contentPart p14:bwMode="auto" r:id="rId6">
+            <p14:nvContentPartPr>
+              <p14:cNvPr id="9" name="Ink 8"/>
+              <p14:cNvContentPartPr/>
+              <p14:nvPr/>
+            </p14:nvContentPartPr>
+            <p14:xfrm>
+              <a:off x="10160912" y="1707502"/>
+              <a:ext cx="205920" cy="74880"/>
+            </p14:xfrm>
+          </p:contentPart>
+        </mc:Choice>
+        <mc:Fallback xmlns="">
+          <p:pic>
+            <p:nvPicPr>
+              <p:cNvPr id="9" name="Ink 8"/>
+              <p:cNvPicPr/>
+              <p:nvPr/>
+            </p:nvPicPr>
+            <p:blipFill>
+              <a:blip r:embed="rId7"/>
+              <a:stretch>
+                <a:fillRect/>
+              </a:stretch>
+            </p:blipFill>
+            <p:spPr>
+              <a:xfrm>
+                <a:off x="10150472" y="1697062"/>
+                <a:ext cx="226800" cy="95760"/>
+              </a:xfrm>
+              <a:prstGeom prst="rect">
+                <a:avLst/>
+              </a:prstGeom>
+            </p:spPr>
+          </p:pic>
+        </mc:Fallback>
+      </mc:AlternateContent>
+      <mc:AlternateContent xmlns:mc="http://schemas.openxmlformats.org/markup-compatibility/2006" xmlns:p14="http://schemas.microsoft.com/office/powerpoint/2010/main">
+        <mc:Choice Requires="p14">
+          <p:contentPart p14:bwMode="auto" r:id="rId8">
+            <p14:nvContentPartPr>
+              <p14:cNvPr id="11" name="Ink 10"/>
+              <p14:cNvContentPartPr/>
+              <p14:nvPr/>
+            </p14:nvContentPartPr>
+            <p14:xfrm>
+              <a:off x="9912872" y="1137262"/>
+              <a:ext cx="636840" cy="124920"/>
+            </p14:xfrm>
+          </p:contentPart>
+        </mc:Choice>
+        <mc:Fallback xmlns="">
+          <p:pic>
+            <p:nvPicPr>
+              <p:cNvPr id="11" name="Ink 10"/>
+              <p:cNvPicPr/>
+              <p:nvPr/>
+            </p:nvPicPr>
+            <p:blipFill>
+              <a:blip r:embed="rId9"/>
+              <a:stretch>
+                <a:fillRect/>
+              </a:stretch>
+            </p:blipFill>
+            <p:spPr>
+              <a:xfrm>
+                <a:off x="9902432" y="1126822"/>
+                <a:ext cx="657720" cy="145800"/>
+              </a:xfrm>
+              <a:prstGeom prst="rect">
+                <a:avLst/>
+              </a:prstGeom>
+            </p:spPr>
+          </p:pic>
+        </mc:Fallback>
+      </mc:AlternateContent>
     </p:spTree>
     <p:extLst>
       <p:ext uri="{BB962C8B-B14F-4D97-AF65-F5344CB8AC3E}">
@@ -3773,7 +4570,12 @@
             <p:ph idx="1"/>
           </p:nvPr>
         </p:nvSpPr>
-        <p:spPr/>
+        <p:spPr>
+          <a:xfrm>
+            <a:off x="838200" y="1834956"/>
+            <a:ext cx="10515600" cy="4351338"/>
+          </a:xfrm>
+        </p:spPr>
         <p:txBody>
           <a:bodyPr>
             <a:normAutofit fontScale="92500"/>
